--- a/.external/tech/tech.pptx
+++ b/.external/tech/tech.pptx
@@ -288,7 +288,7 @@
           <a:p>
             <a:fld id="{3B050DAE-037E-4486-82E1-4D6126E63104}" type="datetimeFigureOut">
               <a:rPr lang="en-GB" smtClean="0"/>
-              <a:t>17/07/2022</a:t>
+              <a:t>21/07/2022</a:t>
             </a:fld>
             <a:endParaRPr lang="en-GB"/>
           </a:p>
@@ -458,7 +458,7 @@
           <a:p>
             <a:fld id="{3B050DAE-037E-4486-82E1-4D6126E63104}" type="datetimeFigureOut">
               <a:rPr lang="en-GB" smtClean="0"/>
-              <a:t>17/07/2022</a:t>
+              <a:t>21/07/2022</a:t>
             </a:fld>
             <a:endParaRPr lang="en-GB"/>
           </a:p>
@@ -638,7 +638,7 @@
           <a:p>
             <a:fld id="{3B050DAE-037E-4486-82E1-4D6126E63104}" type="datetimeFigureOut">
               <a:rPr lang="en-GB" smtClean="0"/>
-              <a:t>17/07/2022</a:t>
+              <a:t>21/07/2022</a:t>
             </a:fld>
             <a:endParaRPr lang="en-GB"/>
           </a:p>
@@ -808,7 +808,7 @@
           <a:p>
             <a:fld id="{3B050DAE-037E-4486-82E1-4D6126E63104}" type="datetimeFigureOut">
               <a:rPr lang="en-GB" smtClean="0"/>
-              <a:t>17/07/2022</a:t>
+              <a:t>21/07/2022</a:t>
             </a:fld>
             <a:endParaRPr lang="en-GB"/>
           </a:p>
@@ -1054,7 +1054,7 @@
           <a:p>
             <a:fld id="{3B050DAE-037E-4486-82E1-4D6126E63104}" type="datetimeFigureOut">
               <a:rPr lang="en-GB" smtClean="0"/>
-              <a:t>17/07/2022</a:t>
+              <a:t>21/07/2022</a:t>
             </a:fld>
             <a:endParaRPr lang="en-GB"/>
           </a:p>
@@ -1342,7 +1342,7 @@
           <a:p>
             <a:fld id="{3B050DAE-037E-4486-82E1-4D6126E63104}" type="datetimeFigureOut">
               <a:rPr lang="en-GB" smtClean="0"/>
-              <a:t>17/07/2022</a:t>
+              <a:t>21/07/2022</a:t>
             </a:fld>
             <a:endParaRPr lang="en-GB"/>
           </a:p>
@@ -1764,7 +1764,7 @@
           <a:p>
             <a:fld id="{3B050DAE-037E-4486-82E1-4D6126E63104}" type="datetimeFigureOut">
               <a:rPr lang="en-GB" smtClean="0"/>
-              <a:t>17/07/2022</a:t>
+              <a:t>21/07/2022</a:t>
             </a:fld>
             <a:endParaRPr lang="en-GB"/>
           </a:p>
@@ -1882,7 +1882,7 @@
           <a:p>
             <a:fld id="{3B050DAE-037E-4486-82E1-4D6126E63104}" type="datetimeFigureOut">
               <a:rPr lang="en-GB" smtClean="0"/>
-              <a:t>17/07/2022</a:t>
+              <a:t>21/07/2022</a:t>
             </a:fld>
             <a:endParaRPr lang="en-GB"/>
           </a:p>
@@ -1977,7 +1977,7 @@
           <a:p>
             <a:fld id="{3B050DAE-037E-4486-82E1-4D6126E63104}" type="datetimeFigureOut">
               <a:rPr lang="en-GB" smtClean="0"/>
-              <a:t>17/07/2022</a:t>
+              <a:t>21/07/2022</a:t>
             </a:fld>
             <a:endParaRPr lang="en-GB"/>
           </a:p>
@@ -2254,7 +2254,7 @@
           <a:p>
             <a:fld id="{3B050DAE-037E-4486-82E1-4D6126E63104}" type="datetimeFigureOut">
               <a:rPr lang="en-GB" smtClean="0"/>
-              <a:t>17/07/2022</a:t>
+              <a:t>21/07/2022</a:t>
             </a:fld>
             <a:endParaRPr lang="en-GB"/>
           </a:p>
@@ -2507,7 +2507,7 @@
           <a:p>
             <a:fld id="{3B050DAE-037E-4486-82E1-4D6126E63104}" type="datetimeFigureOut">
               <a:rPr lang="en-GB" smtClean="0"/>
-              <a:t>17/07/2022</a:t>
+              <a:t>21/07/2022</a:t>
             </a:fld>
             <a:endParaRPr lang="en-GB"/>
           </a:p>
@@ -2572,9 +2572,14 @@
 <p:sldMaster xmlns:a="http://schemas.openxmlformats.org/drawingml/2006/main" xmlns:r="http://schemas.openxmlformats.org/officeDocument/2006/relationships" xmlns:p="http://schemas.openxmlformats.org/presentationml/2006/main">
   <p:cSld>
     <p:bg>
-      <p:bgRef idx="1001">
-        <a:schemeClr val="bg1"/>
-      </p:bgRef>
+      <p:bgPr>
+        <a:solidFill>
+          <a:schemeClr val="bg1">
+            <a:lumMod val="95000"/>
+          </a:schemeClr>
+        </a:solidFill>
+        <a:effectLst/>
+      </p:bgPr>
     </p:bg>
     <p:spTree>
       <p:nvGrpSpPr>
@@ -2720,7 +2725,7 @@
           <a:p>
             <a:fld id="{3B050DAE-037E-4486-82E1-4D6126E63104}" type="datetimeFigureOut">
               <a:rPr lang="en-GB" smtClean="0"/>
-              <a:t>17/07/2022</a:t>
+              <a:t>21/07/2022</a:t>
             </a:fld>
             <a:endParaRPr lang="en-GB"/>
           </a:p>
@@ -3097,25 +3102,27 @@
       </p:grpSpPr>
       <p:sp>
         <p:nvSpPr>
-          <p:cNvPr id="47" name="Rounded Rectangle 46"/>
+          <p:cNvPr id="31" name="Rectangle 30"/>
           <p:cNvSpPr/>
           <p:nvPr/>
         </p:nvSpPr>
         <p:spPr>
           <a:xfrm>
-            <a:off x="2140072" y="2985744"/>
-            <a:ext cx="1337519" cy="687003"/>
-          </a:xfrm>
-          <a:prstGeom prst="roundRect">
+            <a:off x="295640" y="525409"/>
+            <a:ext cx="1506759" cy="6067676"/>
+          </a:xfrm>
+          <a:prstGeom prst="rect">
             <a:avLst/>
           </a:prstGeom>
           <a:solidFill>
-            <a:schemeClr val="accent6">
-              <a:lumMod val="75000"/>
-            </a:schemeClr>
+            <a:schemeClr val="bg1"/>
           </a:solidFill>
-          <a:ln>
-            <a:noFill/>
+          <a:ln w="3175">
+            <a:solidFill>
+              <a:schemeClr val="bg1">
+                <a:lumMod val="65000"/>
+              </a:schemeClr>
+            </a:solidFill>
           </a:ln>
         </p:spPr>
         <p:style>
@@ -3143,1047 +3150,980 @@
           </a:p>
         </p:txBody>
       </p:sp>
-      <p:grpSp>
-        <p:nvGrpSpPr>
-          <p:cNvPr id="40" name="Group 39"/>
-          <p:cNvGrpSpPr/>
+      <p:sp>
+        <p:nvSpPr>
+          <p:cNvPr id="32" name="Rectangle 31"/>
+          <p:cNvSpPr/>
           <p:nvPr/>
-        </p:nvGrpSpPr>
-        <p:grpSpPr>
-          <a:xfrm>
-            <a:off x="295640" y="525409"/>
-            <a:ext cx="1506759" cy="6067676"/>
-            <a:chOff x="112913" y="169636"/>
-            <a:chExt cx="1506759" cy="6067676"/>
-          </a:xfrm>
-        </p:grpSpPr>
-        <p:pic>
-          <p:nvPicPr>
-            <p:cNvPr id="4" name="Picture 3"/>
-            <p:cNvPicPr>
-              <a:picLocks noChangeAspect="1"/>
-            </p:cNvPicPr>
-            <p:nvPr/>
-          </p:nvPicPr>
-          <p:blipFill>
-            <a:blip r:embed="rId2" cstate="print">
-              <a:extLst>
-                <a:ext uri="{28A0092B-C50C-407E-A947-70E740481C1C}">
-                  <a14:useLocalDpi xmlns:a14="http://schemas.microsoft.com/office/drawing/2010/main" val="0"/>
-                </a:ext>
-              </a:extLst>
-            </a:blip>
-            <a:stretch>
-              <a:fillRect/>
-            </a:stretch>
-          </p:blipFill>
-          <p:spPr>
-            <a:xfrm>
-              <a:off x="354402" y="3743951"/>
-              <a:ext cx="1023781" cy="452523"/>
-            </a:xfrm>
-            <a:prstGeom prst="rect">
-              <a:avLst/>
-            </a:prstGeom>
-            <a:ln>
-              <a:noFill/>
-            </a:ln>
-          </p:spPr>
-        </p:pic>
-        <p:pic>
-          <p:nvPicPr>
-            <p:cNvPr id="16" name="Picture 15"/>
-            <p:cNvPicPr>
-              <a:picLocks noChangeAspect="1"/>
-            </p:cNvPicPr>
-            <p:nvPr/>
-          </p:nvPicPr>
-          <p:blipFill>
-            <a:blip r:embed="rId3" cstate="print">
-              <a:extLst>
-                <a:ext uri="{28A0092B-C50C-407E-A947-70E740481C1C}">
-                  <a14:useLocalDpi xmlns:a14="http://schemas.microsoft.com/office/drawing/2010/main" val="0"/>
-                </a:ext>
-              </a:extLst>
-            </a:blip>
-            <a:stretch>
-              <a:fillRect/>
-            </a:stretch>
-          </p:blipFill>
-          <p:spPr>
-            <a:xfrm>
-              <a:off x="446294" y="322154"/>
-              <a:ext cx="839996" cy="820310"/>
-            </a:xfrm>
-            <a:prstGeom prst="rect">
-              <a:avLst/>
-            </a:prstGeom>
-            <a:ln>
-              <a:noFill/>
-            </a:ln>
-          </p:spPr>
-        </p:pic>
-        <p:pic>
-          <p:nvPicPr>
-            <p:cNvPr id="18" name="Picture 17"/>
-            <p:cNvPicPr>
-              <a:picLocks noChangeAspect="1"/>
-            </p:cNvPicPr>
-            <p:nvPr/>
-          </p:nvPicPr>
-          <p:blipFill>
-            <a:blip r:embed="rId4" cstate="print">
-              <a:extLst>
-                <a:ext uri="{28A0092B-C50C-407E-A947-70E740481C1C}">
-                  <a14:useLocalDpi xmlns:a14="http://schemas.microsoft.com/office/drawing/2010/main" val="0"/>
-                </a:ext>
-              </a:extLst>
-            </a:blip>
-            <a:stretch>
-              <a:fillRect/>
-            </a:stretch>
-          </p:blipFill>
-          <p:spPr>
-            <a:xfrm>
-              <a:off x="357706" y="2587989"/>
-              <a:ext cx="1017172" cy="770966"/>
-            </a:xfrm>
-            <a:prstGeom prst="rect">
-              <a:avLst/>
-            </a:prstGeom>
-            <a:ln>
-              <a:noFill/>
-            </a:ln>
-          </p:spPr>
-        </p:pic>
-        <p:pic>
-          <p:nvPicPr>
-            <p:cNvPr id="24" name="Picture 23"/>
-            <p:cNvPicPr>
-              <a:picLocks noChangeAspect="1"/>
-            </p:cNvPicPr>
-            <p:nvPr/>
-          </p:nvPicPr>
-          <p:blipFill>
-            <a:blip r:embed="rId5" cstate="print">
-              <a:extLst>
-                <a:ext uri="{28A0092B-C50C-407E-A947-70E740481C1C}">
-                  <a14:useLocalDpi xmlns:a14="http://schemas.microsoft.com/office/drawing/2010/main" val="0"/>
-                </a:ext>
-              </a:extLst>
-            </a:blip>
-            <a:stretch>
-              <a:fillRect/>
-            </a:stretch>
-          </p:blipFill>
-          <p:spPr>
-            <a:xfrm>
-              <a:off x="408314" y="1345951"/>
-              <a:ext cx="915957" cy="1046808"/>
-            </a:xfrm>
-            <a:prstGeom prst="rect">
-              <a:avLst/>
-            </a:prstGeom>
-            <a:ln>
-              <a:noFill/>
-            </a:ln>
-          </p:spPr>
-        </p:pic>
-        <p:sp>
-          <p:nvSpPr>
-            <p:cNvPr id="31" name="Rectangle 30"/>
-            <p:cNvSpPr/>
-            <p:nvPr/>
-          </p:nvSpPr>
-          <p:spPr>
-            <a:xfrm>
-              <a:off x="112913" y="169636"/>
-              <a:ext cx="1506759" cy="6067676"/>
-            </a:xfrm>
-            <a:prstGeom prst="rect">
-              <a:avLst/>
-            </a:prstGeom>
-            <a:noFill/>
-            <a:ln w="3175">
-              <a:solidFill>
-                <a:schemeClr val="bg1">
-                  <a:lumMod val="65000"/>
-                </a:schemeClr>
-              </a:solidFill>
-            </a:ln>
-          </p:spPr>
-          <p:style>
-            <a:lnRef idx="2">
-              <a:schemeClr val="accent1">
-                <a:shade val="50000"/>
-              </a:schemeClr>
-            </a:lnRef>
-            <a:fillRef idx="1">
-              <a:schemeClr val="accent1"/>
-            </a:fillRef>
-            <a:effectRef idx="0">
-              <a:schemeClr val="accent1"/>
-            </a:effectRef>
-            <a:fontRef idx="minor">
-              <a:schemeClr val="lt1"/>
-            </a:fontRef>
-          </p:style>
-          <p:txBody>
-            <a:bodyPr rtlCol="0" anchor="ctr"/>
-            <a:lstStyle/>
-            <a:p>
-              <a:pPr algn="ctr"/>
-              <a:endParaRPr lang="en-GB"/>
-            </a:p>
-          </p:txBody>
-        </p:sp>
-      </p:grpSp>
-      <p:grpSp>
-        <p:nvGrpSpPr>
-          <p:cNvPr id="39" name="Group 38"/>
-          <p:cNvGrpSpPr/>
-          <p:nvPr/>
-        </p:nvGrpSpPr>
-        <p:grpSpPr>
+        </p:nvSpPr>
+        <p:spPr>
           <a:xfrm>
             <a:off x="2050158" y="525839"/>
             <a:ext cx="1506759" cy="6067676"/>
-            <a:chOff x="1769097" y="170066"/>
-            <a:chExt cx="1506759" cy="6067676"/>
-          </a:xfrm>
-        </p:grpSpPr>
-        <p:pic>
-          <p:nvPicPr>
-            <p:cNvPr id="8" name="Picture 7"/>
-            <p:cNvPicPr>
-              <a:picLocks noChangeAspect="1"/>
-            </p:cNvPicPr>
-            <p:nvPr/>
-          </p:nvPicPr>
-          <p:blipFill>
-            <a:blip r:embed="rId6" cstate="print">
-              <a:extLst>
-                <a:ext uri="{28A0092B-C50C-407E-A947-70E740481C1C}">
-                  <a14:useLocalDpi xmlns:a14="http://schemas.microsoft.com/office/drawing/2010/main" val="0"/>
-                </a:ext>
-              </a:extLst>
-            </a:blip>
-            <a:stretch>
-              <a:fillRect/>
-            </a:stretch>
-          </p:blipFill>
-          <p:spPr>
-            <a:xfrm>
-              <a:off x="2071935" y="411894"/>
-              <a:ext cx="901082" cy="640831"/>
-            </a:xfrm>
-            <a:prstGeom prst="rect">
-              <a:avLst/>
-            </a:prstGeom>
-            <a:ln>
-              <a:noFill/>
-            </a:ln>
-          </p:spPr>
-        </p:pic>
-        <p:pic>
-          <p:nvPicPr>
-            <p:cNvPr id="10" name="Picture 9"/>
-            <p:cNvPicPr>
-              <a:picLocks noChangeAspect="1"/>
-            </p:cNvPicPr>
-            <p:nvPr/>
-          </p:nvPicPr>
-          <p:blipFill>
-            <a:blip r:embed="rId7" cstate="print">
-              <a:extLst>
-                <a:ext uri="{28A0092B-C50C-407E-A947-70E740481C1C}">
-                  <a14:useLocalDpi xmlns:a14="http://schemas.microsoft.com/office/drawing/2010/main" val="0"/>
-                </a:ext>
-              </a:extLst>
-            </a:blip>
-            <a:stretch>
-              <a:fillRect/>
-            </a:stretch>
-          </p:blipFill>
-          <p:spPr>
-            <a:xfrm>
-              <a:off x="1959777" y="3835446"/>
-              <a:ext cx="1125399" cy="269533"/>
-            </a:xfrm>
-            <a:prstGeom prst="rect">
-              <a:avLst/>
-            </a:prstGeom>
-            <a:ln>
-              <a:noFill/>
-            </a:ln>
-          </p:spPr>
-        </p:pic>
-        <p:pic>
-          <p:nvPicPr>
-            <p:cNvPr id="12" name="Picture 11"/>
-            <p:cNvPicPr>
-              <a:picLocks noChangeAspect="1"/>
-            </p:cNvPicPr>
-            <p:nvPr/>
-          </p:nvPicPr>
-          <p:blipFill>
-            <a:blip r:embed="rId8" cstate="print">
-              <a:extLst>
-                <a:ext uri="{28A0092B-C50C-407E-A947-70E740481C1C}">
-                  <a14:useLocalDpi xmlns:a14="http://schemas.microsoft.com/office/drawing/2010/main" val="0"/>
-                </a:ext>
-              </a:extLst>
-            </a:blip>
-            <a:stretch>
-              <a:fillRect/>
-            </a:stretch>
-          </p:blipFill>
-          <p:spPr>
-            <a:xfrm>
-              <a:off x="2202061" y="1548940"/>
-              <a:ext cx="640831" cy="640831"/>
-            </a:xfrm>
-            <a:prstGeom prst="rect">
-              <a:avLst/>
-            </a:prstGeom>
-            <a:ln>
-              <a:noFill/>
-            </a:ln>
-          </p:spPr>
-        </p:pic>
-        <p:pic>
-          <p:nvPicPr>
-            <p:cNvPr id="14" name="Picture 13"/>
-            <p:cNvPicPr>
-              <a:picLocks noChangeAspect="1"/>
-            </p:cNvPicPr>
-            <p:nvPr/>
-          </p:nvPicPr>
-          <p:blipFill>
-            <a:blip r:embed="rId9" cstate="print">
-              <a:extLst>
-                <a:ext uri="{28A0092B-C50C-407E-A947-70E740481C1C}">
-                  <a14:useLocalDpi xmlns:a14="http://schemas.microsoft.com/office/drawing/2010/main" val="0"/>
-                </a:ext>
-              </a:extLst>
-            </a:blip>
-            <a:stretch>
-              <a:fillRect/>
-            </a:stretch>
-          </p:blipFill>
-          <p:spPr>
-            <a:xfrm>
-              <a:off x="1959777" y="2703915"/>
-              <a:ext cx="1125399" cy="539114"/>
-            </a:xfrm>
-            <a:prstGeom prst="rect">
-              <a:avLst/>
-            </a:prstGeom>
-            <a:ln>
-              <a:noFill/>
-            </a:ln>
-          </p:spPr>
-        </p:pic>
-        <p:sp>
-          <p:nvSpPr>
-            <p:cNvPr id="32" name="Rectangle 31"/>
-            <p:cNvSpPr/>
-            <p:nvPr/>
-          </p:nvSpPr>
-          <p:spPr>
-            <a:xfrm>
-              <a:off x="1769097" y="170066"/>
-              <a:ext cx="1506759" cy="6067676"/>
-            </a:xfrm>
-            <a:prstGeom prst="rect">
-              <a:avLst/>
-            </a:prstGeom>
-            <a:noFill/>
-            <a:ln w="3175">
-              <a:solidFill>
-                <a:schemeClr val="bg1">
-                  <a:lumMod val="65000"/>
-                </a:schemeClr>
-              </a:solidFill>
-            </a:ln>
-          </p:spPr>
-          <p:style>
-            <a:lnRef idx="2">
-              <a:schemeClr val="accent1">
-                <a:shade val="50000"/>
+          </a:xfrm>
+          <a:prstGeom prst="rect">
+            <a:avLst/>
+          </a:prstGeom>
+          <a:solidFill>
+            <a:schemeClr val="bg1"/>
+          </a:solidFill>
+          <a:ln w="3175">
+            <a:solidFill>
+              <a:schemeClr val="bg1">
+                <a:lumMod val="65000"/>
               </a:schemeClr>
-            </a:lnRef>
-            <a:fillRef idx="1">
-              <a:schemeClr val="accent1"/>
-            </a:fillRef>
-            <a:effectRef idx="0">
-              <a:schemeClr val="accent1"/>
-            </a:effectRef>
-            <a:fontRef idx="minor">
-              <a:schemeClr val="lt1"/>
-            </a:fontRef>
-          </p:style>
-          <p:txBody>
-            <a:bodyPr rtlCol="0" anchor="ctr"/>
-            <a:lstStyle/>
-            <a:p>
-              <a:pPr algn="ctr"/>
-              <a:endParaRPr lang="en-GB"/>
-            </a:p>
-          </p:txBody>
-        </p:sp>
-      </p:grpSp>
-      <p:grpSp>
-        <p:nvGrpSpPr>
-          <p:cNvPr id="38" name="Group 37"/>
-          <p:cNvGrpSpPr/>
+            </a:solidFill>
+          </a:ln>
+        </p:spPr>
+        <p:style>
+          <a:lnRef idx="2">
+            <a:schemeClr val="accent1">
+              <a:shade val="50000"/>
+            </a:schemeClr>
+          </a:lnRef>
+          <a:fillRef idx="1">
+            <a:schemeClr val="accent1"/>
+          </a:fillRef>
+          <a:effectRef idx="0">
+            <a:schemeClr val="accent1"/>
+          </a:effectRef>
+          <a:fontRef idx="minor">
+            <a:schemeClr val="lt1"/>
+          </a:fontRef>
+        </p:style>
+        <p:txBody>
+          <a:bodyPr rtlCol="0" anchor="ctr"/>
+          <a:lstStyle/>
+          <a:p>
+            <a:pPr algn="ctr"/>
+            <a:endParaRPr lang="en-GB"/>
+          </a:p>
+        </p:txBody>
+      </p:sp>
+      <p:sp>
+        <p:nvSpPr>
+          <p:cNvPr id="33" name="Rectangle 32"/>
+          <p:cNvSpPr/>
           <p:nvPr/>
-        </p:nvGrpSpPr>
-        <p:grpSpPr>
+        </p:nvSpPr>
+        <p:spPr>
           <a:xfrm>
             <a:off x="3804676" y="529676"/>
             <a:ext cx="1506759" cy="6067676"/>
-            <a:chOff x="3480490" y="173903"/>
-            <a:chExt cx="1506759" cy="6067676"/>
-          </a:xfrm>
-        </p:grpSpPr>
-        <p:pic>
-          <p:nvPicPr>
-            <p:cNvPr id="5" name="Picture 4"/>
-            <p:cNvPicPr>
-              <a:picLocks noChangeAspect="1"/>
-            </p:cNvPicPr>
-            <p:nvPr/>
-          </p:nvPicPr>
-          <p:blipFill>
-            <a:blip r:embed="rId10" cstate="print">
-              <a:extLst>
-                <a:ext uri="{28A0092B-C50C-407E-A947-70E740481C1C}">
-                  <a14:useLocalDpi xmlns:a14="http://schemas.microsoft.com/office/drawing/2010/main" val="0"/>
-                </a:ext>
-              </a:extLst>
-            </a:blip>
-            <a:stretch>
-              <a:fillRect/>
-            </a:stretch>
-          </p:blipFill>
-          <p:spPr>
-            <a:xfrm>
-              <a:off x="3728962" y="385943"/>
-              <a:ext cx="1009815" cy="692733"/>
-            </a:xfrm>
-            <a:prstGeom prst="rect">
-              <a:avLst/>
-            </a:prstGeom>
-            <a:ln>
-              <a:noFill/>
-            </a:ln>
-          </p:spPr>
-        </p:pic>
-        <p:pic>
-          <p:nvPicPr>
-            <p:cNvPr id="6" name="Picture 5"/>
-            <p:cNvPicPr>
-              <a:picLocks noChangeAspect="1"/>
-            </p:cNvPicPr>
-            <p:nvPr/>
-          </p:nvPicPr>
-          <p:blipFill>
-            <a:blip r:embed="rId11" cstate="print">
-              <a:extLst>
-                <a:ext uri="{28A0092B-C50C-407E-A947-70E740481C1C}">
-                  <a14:useLocalDpi xmlns:a14="http://schemas.microsoft.com/office/drawing/2010/main" val="0"/>
-                </a:ext>
-              </a:extLst>
-            </a:blip>
-            <a:stretch>
-              <a:fillRect/>
-            </a:stretch>
-          </p:blipFill>
-          <p:spPr>
-            <a:xfrm>
-              <a:off x="3658965" y="3664619"/>
-              <a:ext cx="1149809" cy="611186"/>
-            </a:xfrm>
-            <a:prstGeom prst="rect">
-              <a:avLst/>
-            </a:prstGeom>
-            <a:ln>
-              <a:noFill/>
-            </a:ln>
-          </p:spPr>
-        </p:pic>
-        <p:pic>
-          <p:nvPicPr>
-            <p:cNvPr id="21" name="Picture 20"/>
-            <p:cNvPicPr>
-              <a:picLocks noChangeAspect="1"/>
-            </p:cNvPicPr>
-            <p:nvPr/>
-          </p:nvPicPr>
-          <p:blipFill>
-            <a:blip r:embed="rId12" cstate="print">
-              <a:extLst>
-                <a:ext uri="{28A0092B-C50C-407E-A947-70E740481C1C}">
-                  <a14:useLocalDpi xmlns:a14="http://schemas.microsoft.com/office/drawing/2010/main" val="0"/>
-                </a:ext>
-              </a:extLst>
-            </a:blip>
-            <a:stretch>
-              <a:fillRect/>
-            </a:stretch>
-          </p:blipFill>
-          <p:spPr>
-            <a:xfrm>
-              <a:off x="3882187" y="2587989"/>
-              <a:ext cx="703363" cy="869874"/>
-            </a:xfrm>
-            <a:prstGeom prst="rect">
-              <a:avLst/>
-            </a:prstGeom>
-            <a:ln>
-              <a:noFill/>
-            </a:ln>
-          </p:spPr>
-        </p:pic>
-        <p:pic>
-          <p:nvPicPr>
-            <p:cNvPr id="22" name="Picture 21"/>
-            <p:cNvPicPr>
-              <a:picLocks noChangeAspect="1"/>
-            </p:cNvPicPr>
-            <p:nvPr/>
-          </p:nvPicPr>
-          <p:blipFill>
-            <a:blip r:embed="rId13" cstate="print">
-              <a:extLst>
-                <a:ext uri="{28A0092B-C50C-407E-A947-70E740481C1C}">
-                  <a14:useLocalDpi xmlns:a14="http://schemas.microsoft.com/office/drawing/2010/main" val="0"/>
-                </a:ext>
-              </a:extLst>
-            </a:blip>
-            <a:stretch>
-              <a:fillRect/>
-            </a:stretch>
-          </p:blipFill>
-          <p:spPr>
-            <a:xfrm>
-              <a:off x="3790690" y="1473728"/>
-              <a:ext cx="886358" cy="791255"/>
-            </a:xfrm>
-            <a:prstGeom prst="rect">
-              <a:avLst/>
-            </a:prstGeom>
-            <a:ln>
-              <a:noFill/>
-            </a:ln>
-          </p:spPr>
-        </p:pic>
-        <p:sp>
-          <p:nvSpPr>
-            <p:cNvPr id="33" name="Rectangle 32"/>
-            <p:cNvSpPr/>
-            <p:nvPr/>
-          </p:nvSpPr>
-          <p:spPr>
-            <a:xfrm>
-              <a:off x="3480490" y="173903"/>
-              <a:ext cx="1506759" cy="6067676"/>
-            </a:xfrm>
-            <a:prstGeom prst="rect">
-              <a:avLst/>
-            </a:prstGeom>
-            <a:noFill/>
-            <a:ln w="3175">
-              <a:solidFill>
-                <a:schemeClr val="bg1">
-                  <a:lumMod val="65000"/>
-                </a:schemeClr>
-              </a:solidFill>
-            </a:ln>
-          </p:spPr>
-          <p:style>
-            <a:lnRef idx="2">
-              <a:schemeClr val="accent1">
-                <a:shade val="50000"/>
+          </a:xfrm>
+          <a:prstGeom prst="rect">
+            <a:avLst/>
+          </a:prstGeom>
+          <a:solidFill>
+            <a:schemeClr val="bg1"/>
+          </a:solidFill>
+          <a:ln w="3175">
+            <a:solidFill>
+              <a:schemeClr val="bg1">
+                <a:lumMod val="65000"/>
               </a:schemeClr>
-            </a:lnRef>
-            <a:fillRef idx="1">
-              <a:schemeClr val="accent1"/>
-            </a:fillRef>
-            <a:effectRef idx="0">
-              <a:schemeClr val="accent1"/>
-            </a:effectRef>
-            <a:fontRef idx="minor">
-              <a:schemeClr val="lt1"/>
-            </a:fontRef>
-          </p:style>
-          <p:txBody>
-            <a:bodyPr rtlCol="0" anchor="ctr"/>
-            <a:lstStyle/>
-            <a:p>
-              <a:pPr algn="ctr"/>
-              <a:endParaRPr lang="en-GB"/>
-            </a:p>
-          </p:txBody>
-        </p:sp>
-      </p:grpSp>
-      <p:grpSp>
-        <p:nvGrpSpPr>
-          <p:cNvPr id="37" name="Group 36"/>
-          <p:cNvGrpSpPr/>
+            </a:solidFill>
+          </a:ln>
+        </p:spPr>
+        <p:style>
+          <a:lnRef idx="2">
+            <a:schemeClr val="accent1">
+              <a:shade val="50000"/>
+            </a:schemeClr>
+          </a:lnRef>
+          <a:fillRef idx="1">
+            <a:schemeClr val="accent1"/>
+          </a:fillRef>
+          <a:effectRef idx="0">
+            <a:schemeClr val="accent1"/>
+          </a:effectRef>
+          <a:fontRef idx="minor">
+            <a:schemeClr val="lt1"/>
+          </a:fontRef>
+        </p:style>
+        <p:txBody>
+          <a:bodyPr rtlCol="0" anchor="ctr"/>
+          <a:lstStyle/>
+          <a:p>
+            <a:pPr algn="ctr"/>
+            <a:endParaRPr lang="en-GB"/>
+          </a:p>
+        </p:txBody>
+      </p:sp>
+      <p:sp>
+        <p:nvSpPr>
+          <p:cNvPr id="34" name="Rectangle 33"/>
+          <p:cNvSpPr/>
           <p:nvPr/>
-        </p:nvGrpSpPr>
-        <p:grpSpPr>
+        </p:nvSpPr>
+        <p:spPr>
           <a:xfrm>
             <a:off x="5559194" y="525839"/>
             <a:ext cx="1506759" cy="6067676"/>
-            <a:chOff x="5219473" y="170066"/>
-            <a:chExt cx="1506759" cy="6067676"/>
-          </a:xfrm>
-        </p:grpSpPr>
-        <p:pic>
-          <p:nvPicPr>
-            <p:cNvPr id="7" name="Picture 6"/>
-            <p:cNvPicPr>
-              <a:picLocks noChangeAspect="1"/>
-            </p:cNvPicPr>
-            <p:nvPr/>
-          </p:nvPicPr>
-          <p:blipFill>
-            <a:blip r:embed="rId14" cstate="print">
-              <a:extLst>
-                <a:ext uri="{28A0092B-C50C-407E-A947-70E740481C1C}">
-                  <a14:useLocalDpi xmlns:a14="http://schemas.microsoft.com/office/drawing/2010/main" val="0"/>
-                </a:ext>
-              </a:extLst>
-            </a:blip>
-            <a:stretch>
-              <a:fillRect/>
-            </a:stretch>
-          </p:blipFill>
-          <p:spPr>
-            <a:xfrm>
-              <a:off x="5441299" y="267867"/>
-              <a:ext cx="1063107" cy="928885"/>
-            </a:xfrm>
-            <a:prstGeom prst="rect">
-              <a:avLst/>
-            </a:prstGeom>
-            <a:ln>
-              <a:noFill/>
-            </a:ln>
-          </p:spPr>
-        </p:pic>
-        <p:pic>
-          <p:nvPicPr>
-            <p:cNvPr id="11" name="Picture 10"/>
-            <p:cNvPicPr>
-              <a:picLocks noChangeAspect="1"/>
-            </p:cNvPicPr>
-            <p:nvPr/>
-          </p:nvPicPr>
-          <p:blipFill>
-            <a:blip r:embed="rId15" cstate="print">
-              <a:extLst>
-                <a:ext uri="{28A0092B-C50C-407E-A947-70E740481C1C}">
-                  <a14:useLocalDpi xmlns:a14="http://schemas.microsoft.com/office/drawing/2010/main" val="0"/>
-                </a:ext>
-              </a:extLst>
-            </a:blip>
-            <a:stretch>
-              <a:fillRect/>
-            </a:stretch>
-          </p:blipFill>
-          <p:spPr>
-            <a:xfrm>
-              <a:off x="5573034" y="1422315"/>
-              <a:ext cx="799636" cy="894080"/>
-            </a:xfrm>
-            <a:prstGeom prst="rect">
-              <a:avLst/>
-            </a:prstGeom>
-            <a:ln>
-              <a:noFill/>
-            </a:ln>
-          </p:spPr>
-        </p:pic>
-        <p:pic>
-          <p:nvPicPr>
-            <p:cNvPr id="13" name="Picture 12"/>
-            <p:cNvPicPr>
-              <a:picLocks noChangeAspect="1"/>
-            </p:cNvPicPr>
-            <p:nvPr/>
-          </p:nvPicPr>
-          <p:blipFill>
-            <a:blip r:embed="rId16" cstate="print">
-              <a:extLst>
-                <a:ext uri="{28A0092B-C50C-407E-A947-70E740481C1C}">
-                  <a14:useLocalDpi xmlns:a14="http://schemas.microsoft.com/office/drawing/2010/main" val="0"/>
-                </a:ext>
-              </a:extLst>
-            </a:blip>
-            <a:stretch>
-              <a:fillRect/>
-            </a:stretch>
-          </p:blipFill>
-          <p:spPr>
-            <a:xfrm>
-              <a:off x="5459787" y="3671858"/>
-              <a:ext cx="1026131" cy="596708"/>
-            </a:xfrm>
-            <a:prstGeom prst="rect">
-              <a:avLst/>
-            </a:prstGeom>
-            <a:ln>
-              <a:noFill/>
-            </a:ln>
-          </p:spPr>
-        </p:pic>
-        <p:pic>
-          <p:nvPicPr>
-            <p:cNvPr id="17" name="Picture 16"/>
-            <p:cNvPicPr>
-              <a:picLocks noChangeAspect="1"/>
-            </p:cNvPicPr>
-            <p:nvPr/>
-          </p:nvPicPr>
-          <p:blipFill>
-            <a:blip r:embed="rId17" cstate="print">
-              <a:extLst>
-                <a:ext uri="{28A0092B-C50C-407E-A947-70E740481C1C}">
-                  <a14:useLocalDpi xmlns:a14="http://schemas.microsoft.com/office/drawing/2010/main" val="0"/>
-                </a:ext>
-              </a:extLst>
-            </a:blip>
-            <a:stretch>
-              <a:fillRect/>
-            </a:stretch>
-          </p:blipFill>
-          <p:spPr>
-            <a:xfrm>
-              <a:off x="5549125" y="5459742"/>
-              <a:ext cx="847454" cy="739909"/>
-            </a:xfrm>
-            <a:prstGeom prst="rect">
-              <a:avLst/>
-            </a:prstGeom>
-            <a:ln>
-              <a:noFill/>
-            </a:ln>
-          </p:spPr>
-        </p:pic>
-        <p:pic>
-          <p:nvPicPr>
-            <p:cNvPr id="19" name="Picture 18"/>
-            <p:cNvPicPr>
-              <a:picLocks noChangeAspect="1"/>
-            </p:cNvPicPr>
-            <p:nvPr/>
-          </p:nvPicPr>
-          <p:blipFill>
-            <a:blip r:embed="rId18" cstate="print">
-              <a:extLst>
-                <a:ext uri="{28A0092B-C50C-407E-A947-70E740481C1C}">
-                  <a14:useLocalDpi xmlns:a14="http://schemas.microsoft.com/office/drawing/2010/main" val="0"/>
-                </a:ext>
-              </a:extLst>
-            </a:blip>
-            <a:stretch>
-              <a:fillRect/>
-            </a:stretch>
-          </p:blipFill>
-          <p:spPr>
-            <a:xfrm>
-              <a:off x="5459786" y="2646180"/>
-              <a:ext cx="1026133" cy="654584"/>
-            </a:xfrm>
-            <a:prstGeom prst="rect">
-              <a:avLst/>
-            </a:prstGeom>
-            <a:ln>
-              <a:noFill/>
-            </a:ln>
-          </p:spPr>
-        </p:pic>
-        <p:pic>
-          <p:nvPicPr>
-            <p:cNvPr id="25" name="Picture 24"/>
-            <p:cNvPicPr>
-              <a:picLocks noChangeAspect="1"/>
-            </p:cNvPicPr>
-            <p:nvPr/>
-          </p:nvPicPr>
-          <p:blipFill>
-            <a:blip r:embed="rId19" cstate="print">
-              <a:extLst>
-                <a:ext uri="{28A0092B-C50C-407E-A947-70E740481C1C}">
-                  <a14:useLocalDpi xmlns:a14="http://schemas.microsoft.com/office/drawing/2010/main" val="0"/>
-                </a:ext>
-              </a:extLst>
-            </a:blip>
-            <a:stretch>
-              <a:fillRect/>
-            </a:stretch>
-          </p:blipFill>
-          <p:spPr>
-            <a:xfrm>
-              <a:off x="5330386" y="4614746"/>
-              <a:ext cx="1284933" cy="542446"/>
-            </a:xfrm>
-            <a:prstGeom prst="rect">
-              <a:avLst/>
-            </a:prstGeom>
-            <a:ln>
-              <a:noFill/>
-            </a:ln>
-          </p:spPr>
-        </p:pic>
-        <p:sp>
-          <p:nvSpPr>
-            <p:cNvPr id="34" name="Rectangle 33"/>
-            <p:cNvSpPr/>
-            <p:nvPr/>
-          </p:nvSpPr>
-          <p:spPr>
-            <a:xfrm>
-              <a:off x="5219473" y="170066"/>
-              <a:ext cx="1506759" cy="6067676"/>
-            </a:xfrm>
-            <a:prstGeom prst="rect">
-              <a:avLst/>
-            </a:prstGeom>
-            <a:noFill/>
-            <a:ln w="3175">
-              <a:solidFill>
-                <a:schemeClr val="bg1">
-                  <a:lumMod val="65000"/>
-                </a:schemeClr>
-              </a:solidFill>
-            </a:ln>
-          </p:spPr>
-          <p:style>
-            <a:lnRef idx="2">
-              <a:schemeClr val="accent1">
-                <a:shade val="50000"/>
+          </a:xfrm>
+          <a:prstGeom prst="rect">
+            <a:avLst/>
+          </a:prstGeom>
+          <a:solidFill>
+            <a:schemeClr val="bg1"/>
+          </a:solidFill>
+          <a:ln w="3175">
+            <a:solidFill>
+              <a:schemeClr val="bg1">
+                <a:lumMod val="65000"/>
               </a:schemeClr>
-            </a:lnRef>
-            <a:fillRef idx="1">
-              <a:schemeClr val="accent1"/>
-            </a:fillRef>
-            <a:effectRef idx="0">
-              <a:schemeClr val="accent1"/>
-            </a:effectRef>
-            <a:fontRef idx="minor">
-              <a:schemeClr val="lt1"/>
-            </a:fontRef>
-          </p:style>
-          <p:txBody>
-            <a:bodyPr rtlCol="0" anchor="ctr"/>
-            <a:lstStyle/>
-            <a:p>
-              <a:pPr algn="ctr"/>
-              <a:endParaRPr lang="en-GB"/>
-            </a:p>
-          </p:txBody>
-        </p:sp>
-      </p:grpSp>
-      <p:grpSp>
-        <p:nvGrpSpPr>
-          <p:cNvPr id="36" name="Group 35"/>
-          <p:cNvGrpSpPr/>
+            </a:solidFill>
+          </a:ln>
+        </p:spPr>
+        <p:style>
+          <a:lnRef idx="2">
+            <a:schemeClr val="accent1">
+              <a:shade val="50000"/>
+            </a:schemeClr>
+          </a:lnRef>
+          <a:fillRef idx="1">
+            <a:schemeClr val="accent1"/>
+          </a:fillRef>
+          <a:effectRef idx="0">
+            <a:schemeClr val="accent1"/>
+          </a:effectRef>
+          <a:fontRef idx="minor">
+            <a:schemeClr val="lt1"/>
+          </a:fontRef>
+        </p:style>
+        <p:txBody>
+          <a:bodyPr rtlCol="0" anchor="ctr"/>
+          <a:lstStyle/>
+          <a:p>
+            <a:pPr algn="ctr"/>
+            <a:endParaRPr lang="en-GB"/>
+          </a:p>
+        </p:txBody>
+      </p:sp>
+      <p:sp>
+        <p:nvSpPr>
+          <p:cNvPr id="35" name="Rectangle 34"/>
+          <p:cNvSpPr/>
           <p:nvPr/>
-        </p:nvGrpSpPr>
-        <p:grpSpPr>
+        </p:nvSpPr>
+        <p:spPr>
           <a:xfrm>
             <a:off x="7313713" y="529676"/>
             <a:ext cx="1506759" cy="6067676"/>
-            <a:chOff x="7130986" y="173903"/>
-            <a:chExt cx="1506759" cy="6067676"/>
-          </a:xfrm>
-        </p:grpSpPr>
-        <p:pic>
-          <p:nvPicPr>
-            <p:cNvPr id="9" name="Picture 8"/>
-            <p:cNvPicPr>
-              <a:picLocks noChangeAspect="1"/>
-            </p:cNvPicPr>
-            <p:nvPr/>
-          </p:nvPicPr>
-          <p:blipFill>
-            <a:blip r:embed="rId20" cstate="print">
-              <a:extLst>
-                <a:ext uri="{28A0092B-C50C-407E-A947-70E740481C1C}">
-                  <a14:useLocalDpi xmlns:a14="http://schemas.microsoft.com/office/drawing/2010/main" val="0"/>
-                </a:ext>
-              </a:extLst>
-            </a:blip>
-            <a:stretch>
-              <a:fillRect/>
-            </a:stretch>
-          </p:blipFill>
-          <p:spPr>
-            <a:xfrm>
-              <a:off x="7368589" y="3595791"/>
-              <a:ext cx="1031553" cy="748842"/>
-            </a:xfrm>
-            <a:prstGeom prst="rect">
-              <a:avLst/>
-            </a:prstGeom>
-            <a:ln>
-              <a:noFill/>
-            </a:ln>
-          </p:spPr>
-        </p:pic>
-        <p:pic>
-          <p:nvPicPr>
-            <p:cNvPr id="15" name="Picture 14"/>
-            <p:cNvPicPr>
-              <a:picLocks noChangeAspect="1"/>
-            </p:cNvPicPr>
-            <p:nvPr/>
-          </p:nvPicPr>
-          <p:blipFill>
-            <a:blip r:embed="rId21" cstate="print">
-              <a:extLst>
-                <a:ext uri="{28A0092B-C50C-407E-A947-70E740481C1C}">
-                  <a14:useLocalDpi xmlns:a14="http://schemas.microsoft.com/office/drawing/2010/main" val="0"/>
-                </a:ext>
-              </a:extLst>
-            </a:blip>
-            <a:stretch>
-              <a:fillRect/>
-            </a:stretch>
-          </p:blipFill>
-          <p:spPr>
-            <a:xfrm>
-              <a:off x="7202994" y="2462443"/>
-              <a:ext cx="1362742" cy="1022058"/>
-            </a:xfrm>
-            <a:prstGeom prst="rect">
-              <a:avLst/>
-            </a:prstGeom>
-            <a:ln>
-              <a:noFill/>
-            </a:ln>
-          </p:spPr>
-        </p:pic>
-        <p:pic>
-          <p:nvPicPr>
-            <p:cNvPr id="20" name="Picture 19"/>
-            <p:cNvPicPr>
-              <a:picLocks noChangeAspect="1"/>
-            </p:cNvPicPr>
-            <p:nvPr/>
-          </p:nvPicPr>
-          <p:blipFill>
-            <a:blip r:embed="rId22" cstate="print">
-              <a:extLst>
-                <a:ext uri="{28A0092B-C50C-407E-A947-70E740481C1C}">
-                  <a14:useLocalDpi xmlns:a14="http://schemas.microsoft.com/office/drawing/2010/main" val="0"/>
-                </a:ext>
-              </a:extLst>
-            </a:blip>
-            <a:stretch>
-              <a:fillRect/>
-            </a:stretch>
-          </p:blipFill>
-          <p:spPr>
-            <a:xfrm>
-              <a:off x="7499183" y="362615"/>
-              <a:ext cx="770364" cy="739388"/>
-            </a:xfrm>
-            <a:prstGeom prst="rect">
-              <a:avLst/>
-            </a:prstGeom>
-            <a:ln>
-              <a:noFill/>
-            </a:ln>
-          </p:spPr>
-        </p:pic>
-        <p:pic>
-          <p:nvPicPr>
-            <p:cNvPr id="23" name="Picture 22"/>
-            <p:cNvPicPr>
-              <a:picLocks noChangeAspect="1"/>
-            </p:cNvPicPr>
-            <p:nvPr/>
-          </p:nvPicPr>
-          <p:blipFill>
-            <a:blip r:embed="rId23" cstate="print">
-              <a:extLst>
-                <a:ext uri="{28A0092B-C50C-407E-A947-70E740481C1C}">
-                  <a14:useLocalDpi xmlns:a14="http://schemas.microsoft.com/office/drawing/2010/main" val="0"/>
-                </a:ext>
-              </a:extLst>
-            </a:blip>
-            <a:stretch>
-              <a:fillRect/>
-            </a:stretch>
-          </p:blipFill>
-          <p:spPr>
-            <a:xfrm>
-              <a:off x="7280035" y="1541127"/>
-              <a:ext cx="1208661" cy="656456"/>
-            </a:xfrm>
-            <a:prstGeom prst="rect">
-              <a:avLst/>
-            </a:prstGeom>
-            <a:ln>
-              <a:noFill/>
-            </a:ln>
-          </p:spPr>
-        </p:pic>
-        <p:sp>
-          <p:nvSpPr>
-            <p:cNvPr id="35" name="Rectangle 34"/>
-            <p:cNvSpPr/>
-            <p:nvPr/>
-          </p:nvSpPr>
-          <p:spPr>
-            <a:xfrm>
-              <a:off x="7130986" y="173903"/>
-              <a:ext cx="1506759" cy="6067676"/>
-            </a:xfrm>
-            <a:prstGeom prst="rect">
-              <a:avLst/>
-            </a:prstGeom>
+          </a:xfrm>
+          <a:prstGeom prst="rect">
+            <a:avLst/>
+          </a:prstGeom>
+          <a:solidFill>
+            <a:schemeClr val="bg1"/>
+          </a:solidFill>
+          <a:ln w="3175">
+            <a:solidFill>
+              <a:schemeClr val="bg1">
+                <a:lumMod val="65000"/>
+              </a:schemeClr>
+            </a:solidFill>
+          </a:ln>
+        </p:spPr>
+        <p:style>
+          <a:lnRef idx="2">
+            <a:schemeClr val="accent1">
+              <a:shade val="50000"/>
+            </a:schemeClr>
+          </a:lnRef>
+          <a:fillRef idx="1">
+            <a:schemeClr val="accent1"/>
+          </a:fillRef>
+          <a:effectRef idx="0">
+            <a:schemeClr val="accent1"/>
+          </a:effectRef>
+          <a:fontRef idx="minor">
+            <a:schemeClr val="lt1"/>
+          </a:fontRef>
+        </p:style>
+        <p:txBody>
+          <a:bodyPr rtlCol="0" anchor="ctr"/>
+          <a:lstStyle/>
+          <a:p>
+            <a:pPr algn="ctr"/>
+            <a:endParaRPr lang="en-GB"/>
+          </a:p>
+        </p:txBody>
+      </p:sp>
+      <p:sp>
+        <p:nvSpPr>
+          <p:cNvPr id="47" name="Rounded Rectangle 46"/>
+          <p:cNvSpPr/>
+          <p:nvPr/>
+        </p:nvSpPr>
+        <p:spPr>
+          <a:xfrm>
+            <a:off x="2140072" y="2985744"/>
+            <a:ext cx="1337519" cy="687003"/>
+          </a:xfrm>
+          <a:prstGeom prst="roundRect">
+            <a:avLst/>
+          </a:prstGeom>
+          <a:solidFill>
+            <a:schemeClr val="accent6">
+              <a:lumMod val="75000"/>
+            </a:schemeClr>
+          </a:solidFill>
+          <a:ln>
             <a:noFill/>
-            <a:ln w="3175">
-              <a:solidFill>
-                <a:schemeClr val="bg1">
-                  <a:lumMod val="65000"/>
-                </a:schemeClr>
-              </a:solidFill>
-            </a:ln>
-          </p:spPr>
-          <p:style>
-            <a:lnRef idx="2">
-              <a:schemeClr val="accent1">
-                <a:shade val="50000"/>
-              </a:schemeClr>
-            </a:lnRef>
-            <a:fillRef idx="1">
-              <a:schemeClr val="accent1"/>
-            </a:fillRef>
-            <a:effectRef idx="0">
-              <a:schemeClr val="accent1"/>
-            </a:effectRef>
-            <a:fontRef idx="minor">
-              <a:schemeClr val="lt1"/>
-            </a:fontRef>
-          </p:style>
-          <p:txBody>
-            <a:bodyPr rtlCol="0" anchor="ctr"/>
-            <a:lstStyle/>
-            <a:p>
-              <a:pPr algn="ctr"/>
-              <a:endParaRPr lang="en-GB"/>
-            </a:p>
-          </p:txBody>
-        </p:sp>
-      </p:grpSp>
+          </a:ln>
+        </p:spPr>
+        <p:style>
+          <a:lnRef idx="2">
+            <a:schemeClr val="accent1">
+              <a:shade val="50000"/>
+            </a:schemeClr>
+          </a:lnRef>
+          <a:fillRef idx="1">
+            <a:schemeClr val="accent1"/>
+          </a:fillRef>
+          <a:effectRef idx="0">
+            <a:schemeClr val="accent1"/>
+          </a:effectRef>
+          <a:fontRef idx="minor">
+            <a:schemeClr val="lt1"/>
+          </a:fontRef>
+        </p:style>
+        <p:txBody>
+          <a:bodyPr rtlCol="0" anchor="ctr"/>
+          <a:lstStyle/>
+          <a:p>
+            <a:pPr algn="ctr"/>
+            <a:endParaRPr lang="en-GB"/>
+          </a:p>
+        </p:txBody>
+      </p:sp>
+      <p:pic>
+        <p:nvPicPr>
+          <p:cNvPr id="4" name="Picture 3"/>
+          <p:cNvPicPr>
+            <a:picLocks noChangeAspect="1"/>
+          </p:cNvPicPr>
+          <p:nvPr/>
+        </p:nvPicPr>
+        <p:blipFill>
+          <a:blip r:embed="rId2" cstate="print">
+            <a:extLst>
+              <a:ext uri="{28A0092B-C50C-407E-A947-70E740481C1C}">
+                <a14:useLocalDpi xmlns:a14="http://schemas.microsoft.com/office/drawing/2010/main" val="0"/>
+              </a:ext>
+            </a:extLst>
+          </a:blip>
+          <a:stretch>
+            <a:fillRect/>
+          </a:stretch>
+        </p:blipFill>
+        <p:spPr>
+          <a:xfrm>
+            <a:off x="537129" y="4099724"/>
+            <a:ext cx="1023781" cy="452523"/>
+          </a:xfrm>
+          <a:prstGeom prst="rect">
+            <a:avLst/>
+          </a:prstGeom>
+          <a:ln>
+            <a:noFill/>
+          </a:ln>
+        </p:spPr>
+      </p:pic>
+      <p:pic>
+        <p:nvPicPr>
+          <p:cNvPr id="16" name="Picture 15"/>
+          <p:cNvPicPr>
+            <a:picLocks noChangeAspect="1"/>
+          </p:cNvPicPr>
+          <p:nvPr/>
+        </p:nvPicPr>
+        <p:blipFill>
+          <a:blip r:embed="rId3" cstate="print">
+            <a:extLst>
+              <a:ext uri="{28A0092B-C50C-407E-A947-70E740481C1C}">
+                <a14:useLocalDpi xmlns:a14="http://schemas.microsoft.com/office/drawing/2010/main" val="0"/>
+              </a:ext>
+            </a:extLst>
+          </a:blip>
+          <a:stretch>
+            <a:fillRect/>
+          </a:stretch>
+        </p:blipFill>
+        <p:spPr>
+          <a:xfrm>
+            <a:off x="629021" y="677927"/>
+            <a:ext cx="839996" cy="820310"/>
+          </a:xfrm>
+          <a:prstGeom prst="rect">
+            <a:avLst/>
+          </a:prstGeom>
+          <a:ln>
+            <a:noFill/>
+          </a:ln>
+        </p:spPr>
+      </p:pic>
+      <p:pic>
+        <p:nvPicPr>
+          <p:cNvPr id="18" name="Picture 17"/>
+          <p:cNvPicPr>
+            <a:picLocks noChangeAspect="1"/>
+          </p:cNvPicPr>
+          <p:nvPr/>
+        </p:nvPicPr>
+        <p:blipFill>
+          <a:blip r:embed="rId4" cstate="print">
+            <a:extLst>
+              <a:ext uri="{28A0092B-C50C-407E-A947-70E740481C1C}">
+                <a14:useLocalDpi xmlns:a14="http://schemas.microsoft.com/office/drawing/2010/main" val="0"/>
+              </a:ext>
+            </a:extLst>
+          </a:blip>
+          <a:stretch>
+            <a:fillRect/>
+          </a:stretch>
+        </p:blipFill>
+        <p:spPr>
+          <a:xfrm>
+            <a:off x="540433" y="2943762"/>
+            <a:ext cx="1017172" cy="770966"/>
+          </a:xfrm>
+          <a:prstGeom prst="rect">
+            <a:avLst/>
+          </a:prstGeom>
+          <a:ln>
+            <a:noFill/>
+          </a:ln>
+        </p:spPr>
+      </p:pic>
+      <p:pic>
+        <p:nvPicPr>
+          <p:cNvPr id="24" name="Picture 23"/>
+          <p:cNvPicPr>
+            <a:picLocks noChangeAspect="1"/>
+          </p:cNvPicPr>
+          <p:nvPr/>
+        </p:nvPicPr>
+        <p:blipFill>
+          <a:blip r:embed="rId5" cstate="print">
+            <a:extLst>
+              <a:ext uri="{28A0092B-C50C-407E-A947-70E740481C1C}">
+                <a14:useLocalDpi xmlns:a14="http://schemas.microsoft.com/office/drawing/2010/main" val="0"/>
+              </a:ext>
+            </a:extLst>
+          </a:blip>
+          <a:stretch>
+            <a:fillRect/>
+          </a:stretch>
+        </p:blipFill>
+        <p:spPr>
+          <a:xfrm>
+            <a:off x="591041" y="1701724"/>
+            <a:ext cx="915957" cy="1046808"/>
+          </a:xfrm>
+          <a:prstGeom prst="rect">
+            <a:avLst/>
+          </a:prstGeom>
+          <a:ln>
+            <a:noFill/>
+          </a:ln>
+        </p:spPr>
+      </p:pic>
+      <p:pic>
+        <p:nvPicPr>
+          <p:cNvPr id="8" name="Picture 7"/>
+          <p:cNvPicPr>
+            <a:picLocks noChangeAspect="1"/>
+          </p:cNvPicPr>
+          <p:nvPr/>
+        </p:nvPicPr>
+        <p:blipFill>
+          <a:blip r:embed="rId6" cstate="print">
+            <a:extLst>
+              <a:ext uri="{28A0092B-C50C-407E-A947-70E740481C1C}">
+                <a14:useLocalDpi xmlns:a14="http://schemas.microsoft.com/office/drawing/2010/main" val="0"/>
+              </a:ext>
+            </a:extLst>
+          </a:blip>
+          <a:stretch>
+            <a:fillRect/>
+          </a:stretch>
+        </p:blipFill>
+        <p:spPr>
+          <a:xfrm>
+            <a:off x="2352996" y="767667"/>
+            <a:ext cx="901082" cy="640831"/>
+          </a:xfrm>
+          <a:prstGeom prst="rect">
+            <a:avLst/>
+          </a:prstGeom>
+          <a:ln>
+            <a:noFill/>
+          </a:ln>
+        </p:spPr>
+      </p:pic>
+      <p:pic>
+        <p:nvPicPr>
+          <p:cNvPr id="10" name="Picture 9"/>
+          <p:cNvPicPr>
+            <a:picLocks noChangeAspect="1"/>
+          </p:cNvPicPr>
+          <p:nvPr/>
+        </p:nvPicPr>
+        <p:blipFill>
+          <a:blip r:embed="rId7" cstate="print">
+            <a:extLst>
+              <a:ext uri="{28A0092B-C50C-407E-A947-70E740481C1C}">
+                <a14:useLocalDpi xmlns:a14="http://schemas.microsoft.com/office/drawing/2010/main" val="0"/>
+              </a:ext>
+            </a:extLst>
+          </a:blip>
+          <a:stretch>
+            <a:fillRect/>
+          </a:stretch>
+        </p:blipFill>
+        <p:spPr>
+          <a:xfrm>
+            <a:off x="2240838" y="4191219"/>
+            <a:ext cx="1125399" cy="269533"/>
+          </a:xfrm>
+          <a:prstGeom prst="rect">
+            <a:avLst/>
+          </a:prstGeom>
+          <a:ln>
+            <a:noFill/>
+          </a:ln>
+        </p:spPr>
+      </p:pic>
+      <p:pic>
+        <p:nvPicPr>
+          <p:cNvPr id="12" name="Picture 11"/>
+          <p:cNvPicPr>
+            <a:picLocks noChangeAspect="1"/>
+          </p:cNvPicPr>
+          <p:nvPr/>
+        </p:nvPicPr>
+        <p:blipFill>
+          <a:blip r:embed="rId8" cstate="print">
+            <a:extLst>
+              <a:ext uri="{28A0092B-C50C-407E-A947-70E740481C1C}">
+                <a14:useLocalDpi xmlns:a14="http://schemas.microsoft.com/office/drawing/2010/main" val="0"/>
+              </a:ext>
+            </a:extLst>
+          </a:blip>
+          <a:stretch>
+            <a:fillRect/>
+          </a:stretch>
+        </p:blipFill>
+        <p:spPr>
+          <a:xfrm>
+            <a:off x="2483122" y="1904713"/>
+            <a:ext cx="640831" cy="640831"/>
+          </a:xfrm>
+          <a:prstGeom prst="rect">
+            <a:avLst/>
+          </a:prstGeom>
+          <a:ln>
+            <a:noFill/>
+          </a:ln>
+        </p:spPr>
+      </p:pic>
+      <p:pic>
+        <p:nvPicPr>
+          <p:cNvPr id="14" name="Picture 13"/>
+          <p:cNvPicPr>
+            <a:picLocks noChangeAspect="1"/>
+          </p:cNvPicPr>
+          <p:nvPr/>
+        </p:nvPicPr>
+        <p:blipFill>
+          <a:blip r:embed="rId9" cstate="print">
+            <a:extLst>
+              <a:ext uri="{28A0092B-C50C-407E-A947-70E740481C1C}">
+                <a14:useLocalDpi xmlns:a14="http://schemas.microsoft.com/office/drawing/2010/main" val="0"/>
+              </a:ext>
+            </a:extLst>
+          </a:blip>
+          <a:stretch>
+            <a:fillRect/>
+          </a:stretch>
+        </p:blipFill>
+        <p:spPr>
+          <a:xfrm>
+            <a:off x="2240838" y="3059688"/>
+            <a:ext cx="1125399" cy="539114"/>
+          </a:xfrm>
+          <a:prstGeom prst="rect">
+            <a:avLst/>
+          </a:prstGeom>
+          <a:ln>
+            <a:noFill/>
+          </a:ln>
+        </p:spPr>
+      </p:pic>
+      <p:pic>
+        <p:nvPicPr>
+          <p:cNvPr id="5" name="Picture 4"/>
+          <p:cNvPicPr>
+            <a:picLocks noChangeAspect="1"/>
+          </p:cNvPicPr>
+          <p:nvPr/>
+        </p:nvPicPr>
+        <p:blipFill>
+          <a:blip r:embed="rId10" cstate="print">
+            <a:extLst>
+              <a:ext uri="{28A0092B-C50C-407E-A947-70E740481C1C}">
+                <a14:useLocalDpi xmlns:a14="http://schemas.microsoft.com/office/drawing/2010/main" val="0"/>
+              </a:ext>
+            </a:extLst>
+          </a:blip>
+          <a:stretch>
+            <a:fillRect/>
+          </a:stretch>
+        </p:blipFill>
+        <p:spPr>
+          <a:xfrm>
+            <a:off x="4053148" y="741716"/>
+            <a:ext cx="1009815" cy="692733"/>
+          </a:xfrm>
+          <a:prstGeom prst="rect">
+            <a:avLst/>
+          </a:prstGeom>
+          <a:ln>
+            <a:noFill/>
+          </a:ln>
+        </p:spPr>
+      </p:pic>
+      <p:pic>
+        <p:nvPicPr>
+          <p:cNvPr id="6" name="Picture 5"/>
+          <p:cNvPicPr>
+            <a:picLocks noChangeAspect="1"/>
+          </p:cNvPicPr>
+          <p:nvPr/>
+        </p:nvPicPr>
+        <p:blipFill>
+          <a:blip r:embed="rId11" cstate="print">
+            <a:extLst>
+              <a:ext uri="{28A0092B-C50C-407E-A947-70E740481C1C}">
+                <a14:useLocalDpi xmlns:a14="http://schemas.microsoft.com/office/drawing/2010/main" val="0"/>
+              </a:ext>
+            </a:extLst>
+          </a:blip>
+          <a:stretch>
+            <a:fillRect/>
+          </a:stretch>
+        </p:blipFill>
+        <p:spPr>
+          <a:xfrm>
+            <a:off x="3983151" y="4020392"/>
+            <a:ext cx="1149809" cy="611186"/>
+          </a:xfrm>
+          <a:prstGeom prst="rect">
+            <a:avLst/>
+          </a:prstGeom>
+          <a:ln>
+            <a:noFill/>
+          </a:ln>
+        </p:spPr>
+      </p:pic>
+      <p:pic>
+        <p:nvPicPr>
+          <p:cNvPr id="21" name="Picture 20"/>
+          <p:cNvPicPr>
+            <a:picLocks noChangeAspect="1"/>
+          </p:cNvPicPr>
+          <p:nvPr/>
+        </p:nvPicPr>
+        <p:blipFill>
+          <a:blip r:embed="rId12" cstate="print">
+            <a:extLst>
+              <a:ext uri="{28A0092B-C50C-407E-A947-70E740481C1C}">
+                <a14:useLocalDpi xmlns:a14="http://schemas.microsoft.com/office/drawing/2010/main" val="0"/>
+              </a:ext>
+            </a:extLst>
+          </a:blip>
+          <a:stretch>
+            <a:fillRect/>
+          </a:stretch>
+        </p:blipFill>
+        <p:spPr>
+          <a:xfrm>
+            <a:off x="4206373" y="2943762"/>
+            <a:ext cx="703363" cy="869874"/>
+          </a:xfrm>
+          <a:prstGeom prst="rect">
+            <a:avLst/>
+          </a:prstGeom>
+          <a:ln>
+            <a:noFill/>
+          </a:ln>
+        </p:spPr>
+      </p:pic>
+      <p:pic>
+        <p:nvPicPr>
+          <p:cNvPr id="22" name="Picture 21"/>
+          <p:cNvPicPr>
+            <a:picLocks noChangeAspect="1"/>
+          </p:cNvPicPr>
+          <p:nvPr/>
+        </p:nvPicPr>
+        <p:blipFill>
+          <a:blip r:embed="rId13" cstate="print">
+            <a:extLst>
+              <a:ext uri="{28A0092B-C50C-407E-A947-70E740481C1C}">
+                <a14:useLocalDpi xmlns:a14="http://schemas.microsoft.com/office/drawing/2010/main" val="0"/>
+              </a:ext>
+            </a:extLst>
+          </a:blip>
+          <a:stretch>
+            <a:fillRect/>
+          </a:stretch>
+        </p:blipFill>
+        <p:spPr>
+          <a:xfrm>
+            <a:off x="4114876" y="1829501"/>
+            <a:ext cx="886358" cy="791255"/>
+          </a:xfrm>
+          <a:prstGeom prst="rect">
+            <a:avLst/>
+          </a:prstGeom>
+          <a:ln>
+            <a:noFill/>
+          </a:ln>
+        </p:spPr>
+      </p:pic>
+      <p:pic>
+        <p:nvPicPr>
+          <p:cNvPr id="7" name="Picture 6"/>
+          <p:cNvPicPr>
+            <a:picLocks noChangeAspect="1"/>
+          </p:cNvPicPr>
+          <p:nvPr/>
+        </p:nvPicPr>
+        <p:blipFill>
+          <a:blip r:embed="rId14" cstate="print">
+            <a:extLst>
+              <a:ext uri="{28A0092B-C50C-407E-A947-70E740481C1C}">
+                <a14:useLocalDpi xmlns:a14="http://schemas.microsoft.com/office/drawing/2010/main" val="0"/>
+              </a:ext>
+            </a:extLst>
+          </a:blip>
+          <a:stretch>
+            <a:fillRect/>
+          </a:stretch>
+        </p:blipFill>
+        <p:spPr>
+          <a:xfrm>
+            <a:off x="5781020" y="623640"/>
+            <a:ext cx="1063107" cy="928885"/>
+          </a:xfrm>
+          <a:prstGeom prst="rect">
+            <a:avLst/>
+          </a:prstGeom>
+          <a:ln>
+            <a:noFill/>
+          </a:ln>
+        </p:spPr>
+      </p:pic>
+      <p:pic>
+        <p:nvPicPr>
+          <p:cNvPr id="11" name="Picture 10"/>
+          <p:cNvPicPr>
+            <a:picLocks noChangeAspect="1"/>
+          </p:cNvPicPr>
+          <p:nvPr/>
+        </p:nvPicPr>
+        <p:blipFill>
+          <a:blip r:embed="rId15" cstate="print">
+            <a:extLst>
+              <a:ext uri="{28A0092B-C50C-407E-A947-70E740481C1C}">
+                <a14:useLocalDpi xmlns:a14="http://schemas.microsoft.com/office/drawing/2010/main" val="0"/>
+              </a:ext>
+            </a:extLst>
+          </a:blip>
+          <a:stretch>
+            <a:fillRect/>
+          </a:stretch>
+        </p:blipFill>
+        <p:spPr>
+          <a:xfrm>
+            <a:off x="5912755" y="1778088"/>
+            <a:ext cx="799636" cy="894080"/>
+          </a:xfrm>
+          <a:prstGeom prst="rect">
+            <a:avLst/>
+          </a:prstGeom>
+          <a:ln>
+            <a:noFill/>
+          </a:ln>
+        </p:spPr>
+      </p:pic>
+      <p:pic>
+        <p:nvPicPr>
+          <p:cNvPr id="13" name="Picture 12"/>
+          <p:cNvPicPr>
+            <a:picLocks noChangeAspect="1"/>
+          </p:cNvPicPr>
+          <p:nvPr/>
+        </p:nvPicPr>
+        <p:blipFill>
+          <a:blip r:embed="rId16" cstate="print">
+            <a:extLst>
+              <a:ext uri="{28A0092B-C50C-407E-A947-70E740481C1C}">
+                <a14:useLocalDpi xmlns:a14="http://schemas.microsoft.com/office/drawing/2010/main" val="0"/>
+              </a:ext>
+            </a:extLst>
+          </a:blip>
+          <a:stretch>
+            <a:fillRect/>
+          </a:stretch>
+        </p:blipFill>
+        <p:spPr>
+          <a:xfrm>
+            <a:off x="5799508" y="4027631"/>
+            <a:ext cx="1026131" cy="596708"/>
+          </a:xfrm>
+          <a:prstGeom prst="rect">
+            <a:avLst/>
+          </a:prstGeom>
+          <a:ln>
+            <a:noFill/>
+          </a:ln>
+        </p:spPr>
+      </p:pic>
+      <p:pic>
+        <p:nvPicPr>
+          <p:cNvPr id="17" name="Picture 16"/>
+          <p:cNvPicPr>
+            <a:picLocks noChangeAspect="1"/>
+          </p:cNvPicPr>
+          <p:nvPr/>
+        </p:nvPicPr>
+        <p:blipFill>
+          <a:blip r:embed="rId17" cstate="print">
+            <a:extLst>
+              <a:ext uri="{28A0092B-C50C-407E-A947-70E740481C1C}">
+                <a14:useLocalDpi xmlns:a14="http://schemas.microsoft.com/office/drawing/2010/main" val="0"/>
+              </a:ext>
+            </a:extLst>
+          </a:blip>
+          <a:stretch>
+            <a:fillRect/>
+          </a:stretch>
+        </p:blipFill>
+        <p:spPr>
+          <a:xfrm>
+            <a:off x="5888846" y="5815515"/>
+            <a:ext cx="847454" cy="739909"/>
+          </a:xfrm>
+          <a:prstGeom prst="rect">
+            <a:avLst/>
+          </a:prstGeom>
+          <a:ln>
+            <a:noFill/>
+          </a:ln>
+        </p:spPr>
+      </p:pic>
+      <p:pic>
+        <p:nvPicPr>
+          <p:cNvPr id="19" name="Picture 18"/>
+          <p:cNvPicPr>
+            <a:picLocks noChangeAspect="1"/>
+          </p:cNvPicPr>
+          <p:nvPr/>
+        </p:nvPicPr>
+        <p:blipFill>
+          <a:blip r:embed="rId18" cstate="print">
+            <a:extLst>
+              <a:ext uri="{28A0092B-C50C-407E-A947-70E740481C1C}">
+                <a14:useLocalDpi xmlns:a14="http://schemas.microsoft.com/office/drawing/2010/main" val="0"/>
+              </a:ext>
+            </a:extLst>
+          </a:blip>
+          <a:stretch>
+            <a:fillRect/>
+          </a:stretch>
+        </p:blipFill>
+        <p:spPr>
+          <a:xfrm>
+            <a:off x="5799507" y="3001953"/>
+            <a:ext cx="1026133" cy="654584"/>
+          </a:xfrm>
+          <a:prstGeom prst="rect">
+            <a:avLst/>
+          </a:prstGeom>
+          <a:ln>
+            <a:noFill/>
+          </a:ln>
+        </p:spPr>
+      </p:pic>
+      <p:pic>
+        <p:nvPicPr>
+          <p:cNvPr id="25" name="Picture 24"/>
+          <p:cNvPicPr>
+            <a:picLocks noChangeAspect="1"/>
+          </p:cNvPicPr>
+          <p:nvPr/>
+        </p:nvPicPr>
+        <p:blipFill>
+          <a:blip r:embed="rId19" cstate="print">
+            <a:extLst>
+              <a:ext uri="{28A0092B-C50C-407E-A947-70E740481C1C}">
+                <a14:useLocalDpi xmlns:a14="http://schemas.microsoft.com/office/drawing/2010/main" val="0"/>
+              </a:ext>
+            </a:extLst>
+          </a:blip>
+          <a:stretch>
+            <a:fillRect/>
+          </a:stretch>
+        </p:blipFill>
+        <p:spPr>
+          <a:xfrm>
+            <a:off x="5670107" y="4970519"/>
+            <a:ext cx="1284933" cy="542446"/>
+          </a:xfrm>
+          <a:prstGeom prst="rect">
+            <a:avLst/>
+          </a:prstGeom>
+          <a:ln>
+            <a:noFill/>
+          </a:ln>
+        </p:spPr>
+      </p:pic>
+      <p:pic>
+        <p:nvPicPr>
+          <p:cNvPr id="9" name="Picture 8"/>
+          <p:cNvPicPr>
+            <a:picLocks noChangeAspect="1"/>
+          </p:cNvPicPr>
+          <p:nvPr/>
+        </p:nvPicPr>
+        <p:blipFill>
+          <a:blip r:embed="rId20" cstate="print">
+            <a:extLst>
+              <a:ext uri="{28A0092B-C50C-407E-A947-70E740481C1C}">
+                <a14:useLocalDpi xmlns:a14="http://schemas.microsoft.com/office/drawing/2010/main" val="0"/>
+              </a:ext>
+            </a:extLst>
+          </a:blip>
+          <a:stretch>
+            <a:fillRect/>
+          </a:stretch>
+        </p:blipFill>
+        <p:spPr>
+          <a:xfrm>
+            <a:off x="7551316" y="3951564"/>
+            <a:ext cx="1031553" cy="748842"/>
+          </a:xfrm>
+          <a:prstGeom prst="rect">
+            <a:avLst/>
+          </a:prstGeom>
+          <a:ln>
+            <a:noFill/>
+          </a:ln>
+        </p:spPr>
+      </p:pic>
+      <p:pic>
+        <p:nvPicPr>
+          <p:cNvPr id="15" name="Picture 14"/>
+          <p:cNvPicPr>
+            <a:picLocks noChangeAspect="1"/>
+          </p:cNvPicPr>
+          <p:nvPr/>
+        </p:nvPicPr>
+        <p:blipFill>
+          <a:blip r:embed="rId21" cstate="print">
+            <a:extLst>
+              <a:ext uri="{28A0092B-C50C-407E-A947-70E740481C1C}">
+                <a14:useLocalDpi xmlns:a14="http://schemas.microsoft.com/office/drawing/2010/main" val="0"/>
+              </a:ext>
+            </a:extLst>
+          </a:blip>
+          <a:stretch>
+            <a:fillRect/>
+          </a:stretch>
+        </p:blipFill>
+        <p:spPr>
+          <a:xfrm>
+            <a:off x="7385721" y="2818216"/>
+            <a:ext cx="1362742" cy="1022058"/>
+          </a:xfrm>
+          <a:prstGeom prst="rect">
+            <a:avLst/>
+          </a:prstGeom>
+          <a:ln>
+            <a:noFill/>
+          </a:ln>
+        </p:spPr>
+      </p:pic>
+      <p:pic>
+        <p:nvPicPr>
+          <p:cNvPr id="20" name="Picture 19"/>
+          <p:cNvPicPr>
+            <a:picLocks noChangeAspect="1"/>
+          </p:cNvPicPr>
+          <p:nvPr/>
+        </p:nvPicPr>
+        <p:blipFill>
+          <a:blip r:embed="rId22" cstate="print">
+            <a:extLst>
+              <a:ext uri="{28A0092B-C50C-407E-A947-70E740481C1C}">
+                <a14:useLocalDpi xmlns:a14="http://schemas.microsoft.com/office/drawing/2010/main" val="0"/>
+              </a:ext>
+            </a:extLst>
+          </a:blip>
+          <a:stretch>
+            <a:fillRect/>
+          </a:stretch>
+        </p:blipFill>
+        <p:spPr>
+          <a:xfrm>
+            <a:off x="7681910" y="718388"/>
+            <a:ext cx="770364" cy="739388"/>
+          </a:xfrm>
+          <a:prstGeom prst="rect">
+            <a:avLst/>
+          </a:prstGeom>
+          <a:ln>
+            <a:noFill/>
+          </a:ln>
+        </p:spPr>
+      </p:pic>
+      <p:pic>
+        <p:nvPicPr>
+          <p:cNvPr id="23" name="Picture 22"/>
+          <p:cNvPicPr>
+            <a:picLocks noChangeAspect="1"/>
+          </p:cNvPicPr>
+          <p:nvPr/>
+        </p:nvPicPr>
+        <p:blipFill>
+          <a:blip r:embed="rId23" cstate="print">
+            <a:extLst>
+              <a:ext uri="{28A0092B-C50C-407E-A947-70E740481C1C}">
+                <a14:useLocalDpi xmlns:a14="http://schemas.microsoft.com/office/drawing/2010/main" val="0"/>
+              </a:ext>
+            </a:extLst>
+          </a:blip>
+          <a:stretch>
+            <a:fillRect/>
+          </a:stretch>
+        </p:blipFill>
+        <p:spPr>
+          <a:xfrm>
+            <a:off x="7462762" y="1896900"/>
+            <a:ext cx="1208661" cy="656456"/>
+          </a:xfrm>
+          <a:prstGeom prst="rect">
+            <a:avLst/>
+          </a:prstGeom>
+          <a:ln>
+            <a:noFill/>
+          </a:ln>
+        </p:spPr>
+      </p:pic>
       <p:sp>
         <p:nvSpPr>
           <p:cNvPr id="41" name="TextBox 40"/>
@@ -4193,7 +4133,7 @@
         <p:spPr>
           <a:xfrm>
             <a:off x="861307" y="156077"/>
-            <a:ext cx="375424" cy="369332"/>
+            <a:ext cx="385042" cy="369332"/>
           </a:xfrm>
           <a:prstGeom prst="rect">
             <a:avLst/>
@@ -4207,10 +4147,18 @@
           <a:lstStyle/>
           <a:p>
             <a:r>
-              <a:rPr lang="en-GB" dirty="0" smtClean="0"/>
+              <a:rPr lang="en-GB" b="1" dirty="0" smtClean="0">
+                <a:solidFill>
+                  <a:schemeClr val="bg1"/>
+                </a:solidFill>
+              </a:rPr>
               <a:t>AI</a:t>
             </a:r>
-            <a:endParaRPr lang="en-GB" dirty="0"/>
+            <a:endParaRPr lang="en-GB" b="1" dirty="0">
+              <a:solidFill>
+                <a:schemeClr val="bg1"/>
+              </a:solidFill>
+            </a:endParaRPr>
           </a:p>
         </p:txBody>
       </p:sp>
@@ -4223,7 +4171,7 @@
         <p:spPr>
           <a:xfrm>
             <a:off x="3859498" y="156077"/>
-            <a:ext cx="1397114" cy="369332"/>
+            <a:ext cx="1424108" cy="369332"/>
           </a:xfrm>
           <a:prstGeom prst="rect">
             <a:avLst/>
@@ -4237,10 +4185,18 @@
           <a:lstStyle/>
           <a:p>
             <a:r>
-              <a:rPr lang="en-GB" dirty="0" smtClean="0"/>
+              <a:rPr lang="en-GB" b="1" dirty="0" smtClean="0">
+                <a:solidFill>
+                  <a:schemeClr val="bg1"/>
+                </a:solidFill>
+              </a:rPr>
               <a:t>BLOCKCHAIN</a:t>
             </a:r>
-            <a:endParaRPr lang="en-GB" dirty="0"/>
+            <a:endParaRPr lang="en-GB" b="1" dirty="0">
+              <a:solidFill>
+                <a:schemeClr val="bg1"/>
+              </a:solidFill>
+            </a:endParaRPr>
           </a:p>
         </p:txBody>
       </p:sp>
@@ -4253,7 +4209,7 @@
         <p:spPr>
           <a:xfrm>
             <a:off x="2272879" y="156077"/>
-            <a:ext cx="1061316" cy="369332"/>
+            <a:ext cx="1080680" cy="369332"/>
           </a:xfrm>
           <a:prstGeom prst="rect">
             <a:avLst/>
@@ -4267,10 +4223,18 @@
           <a:lstStyle/>
           <a:p>
             <a:r>
-              <a:rPr lang="en-GB" dirty="0" smtClean="0"/>
+              <a:rPr lang="en-GB" b="1" dirty="0" smtClean="0">
+                <a:solidFill>
+                  <a:schemeClr val="bg1"/>
+                </a:solidFill>
+              </a:rPr>
               <a:t>STORAGE</a:t>
             </a:r>
-            <a:endParaRPr lang="en-GB" dirty="0"/>
+            <a:endParaRPr lang="en-GB" b="1" dirty="0">
+              <a:solidFill>
+                <a:schemeClr val="bg1"/>
+              </a:solidFill>
+            </a:endParaRPr>
           </a:p>
         </p:txBody>
       </p:sp>
@@ -4283,7 +4247,7 @@
         <p:spPr>
           <a:xfrm>
             <a:off x="7753544" y="156077"/>
-            <a:ext cx="627095" cy="369332"/>
+            <a:ext cx="636713" cy="369332"/>
           </a:xfrm>
           <a:prstGeom prst="rect">
             <a:avLst/>
@@ -4297,10 +4261,18 @@
           <a:lstStyle/>
           <a:p>
             <a:r>
-              <a:rPr lang="en-GB" dirty="0" smtClean="0"/>
+              <a:rPr lang="en-GB" b="1" dirty="0" smtClean="0">
+                <a:solidFill>
+                  <a:schemeClr val="bg1"/>
+                </a:solidFill>
+              </a:rPr>
               <a:t>WEB</a:t>
             </a:r>
-            <a:endParaRPr lang="en-GB" dirty="0"/>
+            <a:endParaRPr lang="en-GB" b="1" dirty="0">
+              <a:solidFill>
+                <a:schemeClr val="bg1"/>
+              </a:solidFill>
+            </a:endParaRPr>
           </a:p>
         </p:txBody>
       </p:sp>
@@ -4313,7 +4285,7 @@
         <p:spPr>
           <a:xfrm>
             <a:off x="5940516" y="156077"/>
-            <a:ext cx="744114" cy="369332"/>
+            <a:ext cx="753732" cy="369332"/>
           </a:xfrm>
           <a:prstGeom prst="rect">
             <a:avLst/>
@@ -4327,10 +4299,18 @@
           <a:lstStyle/>
           <a:p>
             <a:r>
-              <a:rPr lang="en-GB" dirty="0" smtClean="0"/>
+              <a:rPr lang="en-GB" b="1" dirty="0" smtClean="0">
+                <a:solidFill>
+                  <a:schemeClr val="bg1"/>
+                </a:solidFill>
+              </a:rPr>
               <a:t>WEB3</a:t>
             </a:r>
-            <a:endParaRPr lang="en-GB" dirty="0"/>
+            <a:endParaRPr lang="en-GB" b="1" dirty="0">
+              <a:solidFill>
+                <a:schemeClr val="bg1"/>
+              </a:solidFill>
+            </a:endParaRPr>
           </a:p>
         </p:txBody>
       </p:sp>
